--- a/ppt/FourModalities/B_fmp.pptx
+++ b/ppt/FourModalities/B_fmp.pptx
@@ -3133,8 +3133,8 @@
         </p:nvSpPr>
         <p:spPr>
           <a:xfrm>
-            <a:off x="12700" y="1577805"/>
-            <a:ext cx="9102436" cy="4451206"/>
+            <a:off x="115463" y="1577805"/>
+            <a:ext cx="8890624" cy="4451206"/>
           </a:xfrm>
           <a:prstGeom prst="rect">
             <a:avLst/>
